--- a/images/survival-kit/websocket-intro.pptx
+++ b/images/survival-kit/websocket-intro.pptx
@@ -104,6 +104,11 @@
       </a:defRPr>
     </a:lvl9pPr>
   </p:defaultTextStyle>
+  <p:extLst>
+    <p:ext uri="{EFAFB233-063F-42B5-8137-9DF3F51BA10A}">
+      <p15:sldGuideLst xmlns:p15="http://schemas.microsoft.com/office/powerpoint/2012/main"/>
+    </p:ext>
+  </p:extLst>
 </p:presentation>
 </file>
 
@@ -256,7 +261,7 @@
           <a:p>
             <a:fld id="{4B488629-B8A2-134E-9DCF-9072EE48B99F}" type="datetimeFigureOut">
               <a:rPr lang="en-CH" smtClean="0"/>
-              <a:t>06.11.20</a:t>
+              <a:t>03.03.21</a:t>
             </a:fld>
             <a:endParaRPr lang="en-CH"/>
           </a:p>
@@ -456,7 +461,7 @@
           <a:p>
             <a:fld id="{4B488629-B8A2-134E-9DCF-9072EE48B99F}" type="datetimeFigureOut">
               <a:rPr lang="en-CH" smtClean="0"/>
-              <a:t>06.11.20</a:t>
+              <a:t>03.03.21</a:t>
             </a:fld>
             <a:endParaRPr lang="en-CH"/>
           </a:p>
@@ -666,7 +671,7 @@
           <a:p>
             <a:fld id="{4B488629-B8A2-134E-9DCF-9072EE48B99F}" type="datetimeFigureOut">
               <a:rPr lang="en-CH" smtClean="0"/>
-              <a:t>06.11.20</a:t>
+              <a:t>03.03.21</a:t>
             </a:fld>
             <a:endParaRPr lang="en-CH"/>
           </a:p>
@@ -866,7 +871,7 @@
           <a:p>
             <a:fld id="{4B488629-B8A2-134E-9DCF-9072EE48B99F}" type="datetimeFigureOut">
               <a:rPr lang="en-CH" smtClean="0"/>
-              <a:t>06.11.20</a:t>
+              <a:t>03.03.21</a:t>
             </a:fld>
             <a:endParaRPr lang="en-CH"/>
           </a:p>
@@ -1142,7 +1147,7 @@
           <a:p>
             <a:fld id="{4B488629-B8A2-134E-9DCF-9072EE48B99F}" type="datetimeFigureOut">
               <a:rPr lang="en-CH" smtClean="0"/>
-              <a:t>06.11.20</a:t>
+              <a:t>03.03.21</a:t>
             </a:fld>
             <a:endParaRPr lang="en-CH"/>
           </a:p>
@@ -1410,7 +1415,7 @@
           <a:p>
             <a:fld id="{4B488629-B8A2-134E-9DCF-9072EE48B99F}" type="datetimeFigureOut">
               <a:rPr lang="en-CH" smtClean="0"/>
-              <a:t>06.11.20</a:t>
+              <a:t>03.03.21</a:t>
             </a:fld>
             <a:endParaRPr lang="en-CH"/>
           </a:p>
@@ -1825,7 +1830,7 @@
           <a:p>
             <a:fld id="{4B488629-B8A2-134E-9DCF-9072EE48B99F}" type="datetimeFigureOut">
               <a:rPr lang="en-CH" smtClean="0"/>
-              <a:t>06.11.20</a:t>
+              <a:t>03.03.21</a:t>
             </a:fld>
             <a:endParaRPr lang="en-CH"/>
           </a:p>
@@ -1967,7 +1972,7 @@
           <a:p>
             <a:fld id="{4B488629-B8A2-134E-9DCF-9072EE48B99F}" type="datetimeFigureOut">
               <a:rPr lang="en-CH" smtClean="0"/>
-              <a:t>06.11.20</a:t>
+              <a:t>03.03.21</a:t>
             </a:fld>
             <a:endParaRPr lang="en-CH"/>
           </a:p>
@@ -2080,7 +2085,7 @@
           <a:p>
             <a:fld id="{4B488629-B8A2-134E-9DCF-9072EE48B99F}" type="datetimeFigureOut">
               <a:rPr lang="en-CH" smtClean="0"/>
-              <a:t>06.11.20</a:t>
+              <a:t>03.03.21</a:t>
             </a:fld>
             <a:endParaRPr lang="en-CH"/>
           </a:p>
@@ -2393,7 +2398,7 @@
           <a:p>
             <a:fld id="{4B488629-B8A2-134E-9DCF-9072EE48B99F}" type="datetimeFigureOut">
               <a:rPr lang="en-CH" smtClean="0"/>
-              <a:t>06.11.20</a:t>
+              <a:t>03.03.21</a:t>
             </a:fld>
             <a:endParaRPr lang="en-CH"/>
           </a:p>
@@ -2682,7 +2687,7 @@
           <a:p>
             <a:fld id="{4B488629-B8A2-134E-9DCF-9072EE48B99F}" type="datetimeFigureOut">
               <a:rPr lang="en-CH" smtClean="0"/>
-              <a:t>06.11.20</a:t>
+              <a:t>03.03.21</a:t>
             </a:fld>
             <a:endParaRPr lang="en-CH"/>
           </a:p>
@@ -2925,7 +2930,7 @@
           <a:p>
             <a:fld id="{4B488629-B8A2-134E-9DCF-9072EE48B99F}" type="datetimeFigureOut">
               <a:rPr lang="en-CH" smtClean="0"/>
-              <a:t>06.11.20</a:t>
+              <a:t>03.03.21</a:t>
             </a:fld>
             <a:endParaRPr lang="en-CH"/>
           </a:p>
@@ -3356,7 +3361,7 @@
         </p:nvSpPr>
         <p:spPr>
           <a:xfrm>
-            <a:off x="43209" y="711198"/>
+            <a:off x="7375378" y="765487"/>
             <a:ext cx="4750265" cy="5454869"/>
           </a:xfrm>
           <a:prstGeom prst="rect">
@@ -3408,8 +3413,8 @@
         </p:nvSpPr>
         <p:spPr>
           <a:xfrm>
-            <a:off x="901111" y="273597"/>
-            <a:ext cx="2318007" cy="369332"/>
+            <a:off x="8839084" y="315755"/>
+            <a:ext cx="2068515" cy="369332"/>
           </a:xfrm>
           <a:prstGeom prst="rect">
             <a:avLst/>
@@ -3428,7 +3433,7 @@
             </a:r>
             <a:r>
               <a:rPr lang="en-CH" dirty="0"/>
-              <a:t>: Shiny Server, …</a:t>
+              <a:t>: Shiny Server</a:t>
             </a:r>
           </a:p>
         </p:txBody>
@@ -3447,7 +3452,7 @@
         </p:nvSpPr>
         <p:spPr>
           <a:xfrm>
-            <a:off x="397781" y="3029528"/>
+            <a:off x="7729950" y="3083817"/>
             <a:ext cx="2114356" cy="2626295"/>
           </a:xfrm>
           <a:prstGeom prst="rect">
@@ -3499,7 +3504,7 @@
         </p:nvSpPr>
         <p:spPr>
           <a:xfrm>
-            <a:off x="457364" y="3196448"/>
+            <a:off x="7789533" y="3250737"/>
             <a:ext cx="1744388" cy="2585323"/>
           </a:xfrm>
           <a:prstGeom prst="rect">
@@ -3577,7 +3582,7 @@
         </p:nvSpPr>
         <p:spPr>
           <a:xfrm>
-            <a:off x="9175038" y="1456540"/>
+            <a:off x="1867453" y="1470070"/>
             <a:ext cx="1152371" cy="941396"/>
           </a:xfrm>
           <a:prstGeom prst="rect">
@@ -3585,13 +3590,13 @@
           </a:prstGeom>
           <a:solidFill>
             <a:schemeClr val="bg1">
-              <a:lumMod val="65000"/>
+              <a:lumMod val="85000"/>
             </a:schemeClr>
           </a:solidFill>
           <a:ln w="63500">
             <a:solidFill>
               <a:schemeClr val="bg1">
-                <a:lumMod val="65000"/>
+                <a:lumMod val="85000"/>
               </a:schemeClr>
             </a:solidFill>
           </a:ln>
@@ -3635,7 +3640,7 @@
         </p:nvSpPr>
         <p:spPr>
           <a:xfrm>
-            <a:off x="184341" y="2558990"/>
+            <a:off x="7516510" y="2613279"/>
             <a:ext cx="3588663" cy="369332"/>
           </a:xfrm>
           <a:prstGeom prst="rect">
@@ -3651,13 +3656,8 @@
           <a:p>
             <a:r>
               <a:rPr lang="en-CH" dirty="0"/>
-              <a:t>Server ws events manager ({httpuv}</a:t>
-            </a:r>
-            <a:r>
-              <a:rPr lang="en-CH" baseline="30000" dirty="0"/>
-              <a:t>*</a:t>
-            </a:r>
-            <a:endParaRPr lang="en-CH" dirty="0"/>
+              <a:t>Server ws events manager</a:t>
+            </a:r>
           </a:p>
         </p:txBody>
       </p:sp>
@@ -3675,8 +3675,8 @@
         </p:nvSpPr>
         <p:spPr>
           <a:xfrm>
-            <a:off x="9344961" y="312327"/>
-            <a:ext cx="982448" cy="369332"/>
+            <a:off x="2037376" y="325857"/>
+            <a:ext cx="905504" cy="369332"/>
           </a:xfrm>
           <a:prstGeom prst="rect">
             <a:avLst/>
@@ -3693,11 +3693,6 @@
               <a:rPr lang="en-CH" b="1" dirty="0"/>
               <a:t>Client 1</a:t>
             </a:r>
-            <a:r>
-              <a:rPr lang="en-CH" b="1" baseline="30000" dirty="0"/>
-              <a:t>*</a:t>
-            </a:r>
-            <a:endParaRPr lang="en-CH" b="1" dirty="0"/>
           </a:p>
         </p:txBody>
       </p:sp>
@@ -3716,18 +3711,20 @@
           <p:nvPr/>
         </p:nvCxnSpPr>
         <p:spPr>
-          <a:xfrm flipH="1">
-            <a:off x="5093977" y="4179726"/>
-            <a:ext cx="1758336" cy="0"/>
+          <a:xfrm>
+            <a:off x="5168611" y="4159569"/>
+            <a:ext cx="1737061" cy="0"/>
           </a:xfrm>
           <a:prstGeom prst="straightConnector1">
             <a:avLst/>
           </a:prstGeom>
           <a:ln w="50800">
             <a:solidFill>
-              <a:schemeClr val="tx1"/>
+              <a:schemeClr val="bg1">
+                <a:lumMod val="65000"/>
+              </a:schemeClr>
             </a:solidFill>
-            <a:prstDash val="dash"/>
+            <a:prstDash val="solid"/>
             <a:tailEnd type="triangle"/>
           </a:ln>
         </p:spPr>
@@ -3761,18 +3758,20 @@
           <p:nvPr/>
         </p:nvCxnSpPr>
         <p:spPr>
-          <a:xfrm>
-            <a:off x="5168611" y="4758751"/>
-            <a:ext cx="1730016" cy="0"/>
+          <a:xfrm flipH="1">
+            <a:off x="5072112" y="4726601"/>
+            <a:ext cx="1851489" cy="0"/>
           </a:xfrm>
           <a:prstGeom prst="straightConnector1">
             <a:avLst/>
           </a:prstGeom>
           <a:ln w="50800">
             <a:solidFill>
-              <a:schemeClr val="tx1"/>
+              <a:schemeClr val="bg1">
+                <a:lumMod val="65000"/>
+              </a:schemeClr>
             </a:solidFill>
-            <a:prstDash val="dash"/>
+            <a:prstDash val="solid"/>
             <a:tailEnd type="triangle"/>
           </a:ln>
         </p:spPr>
@@ -3844,7 +3843,7 @@
         </p:nvSpPr>
         <p:spPr>
           <a:xfrm>
-            <a:off x="9524730" y="3325914"/>
+            <a:off x="2217145" y="3339444"/>
             <a:ext cx="1797287" cy="2585323"/>
           </a:xfrm>
           <a:prstGeom prst="rect">
@@ -3922,7 +3921,7 @@
         </p:nvSpPr>
         <p:spPr>
           <a:xfrm>
-            <a:off x="7398527" y="732342"/>
+            <a:off x="90942" y="745872"/>
             <a:ext cx="4658489" cy="5454869"/>
           </a:xfrm>
           <a:prstGeom prst="rect">
@@ -3974,7 +3973,7 @@
         </p:nvSpPr>
         <p:spPr>
           <a:xfrm>
-            <a:off x="9442789" y="3252657"/>
+            <a:off x="2135204" y="3266187"/>
             <a:ext cx="1879228" cy="2524717"/>
           </a:xfrm>
           <a:prstGeom prst="rect">
@@ -4026,7 +4025,7 @@
         </p:nvSpPr>
         <p:spPr>
           <a:xfrm>
-            <a:off x="9190878" y="2882778"/>
+            <a:off x="1883293" y="2896308"/>
             <a:ext cx="2834943" cy="369332"/>
           </a:xfrm>
           <a:prstGeom prst="rect">
@@ -4228,21 +4227,24 @@
           </p:cNvPr>
           <p:cNvCxnSpPr>
             <a:cxnSpLocks/>
-            <a:stCxn id="41" idx="1"/>
+            <a:stCxn id="9" idx="3"/>
+            <a:endCxn id="128" idx="0"/>
           </p:cNvCxnSpPr>
           <p:nvPr/>
         </p:nvCxnSpPr>
         <p:spPr>
-          <a:xfrm flipH="1" flipV="1">
-            <a:off x="2277997" y="4410445"/>
-            <a:ext cx="2650325" cy="9403"/>
+          <a:xfrm>
+            <a:off x="9844306" y="4396965"/>
+            <a:ext cx="992290" cy="74147"/>
           </a:xfrm>
           <a:prstGeom prst="straightConnector1">
             <a:avLst/>
           </a:prstGeom>
           <a:ln w="38100">
             <a:solidFill>
-              <a:srgbClr val="FF0000"/>
+              <a:schemeClr val="bg1">
+                <a:lumMod val="65000"/>
+              </a:schemeClr>
             </a:solidFill>
             <a:prstDash val="solid"/>
             <a:tailEnd type="triangle"/>
@@ -4278,16 +4280,18 @@
           <p:nvPr/>
         </p:nvCxnSpPr>
         <p:spPr>
-          <a:xfrm>
-            <a:off x="7206175" y="4410445"/>
-            <a:ext cx="2444925" cy="4701"/>
+          <a:xfrm flipH="1">
+            <a:off x="1482146" y="4566857"/>
+            <a:ext cx="559583" cy="0"/>
           </a:xfrm>
           <a:prstGeom prst="straightConnector1">
             <a:avLst/>
           </a:prstGeom>
           <a:ln w="38100">
             <a:solidFill>
-              <a:srgbClr val="FF0000"/>
+              <a:schemeClr val="bg1">
+                <a:lumMod val="65000"/>
+              </a:schemeClr>
             </a:solidFill>
             <a:prstDash val="solid"/>
             <a:tailEnd type="triangle"/>
@@ -4310,10 +4314,10 @@
       </p:cxnSp>
       <p:sp>
         <p:nvSpPr>
-          <p:cNvPr id="54" name="TextBox 53">
-            <a:extLst>
-              <a:ext uri="{FF2B5EF4-FFF2-40B4-BE49-F238E27FC236}">
-                <a16:creationId xmlns:a16="http://schemas.microsoft.com/office/drawing/2014/main" id="{090D4309-71BD-F348-8783-64E0D28AF23E}"/>
+          <p:cNvPr id="55" name="TextBox 54">
+            <a:extLst>
+              <a:ext uri="{FF2B5EF4-FFF2-40B4-BE49-F238E27FC236}">
+                <a16:creationId xmlns:a16="http://schemas.microsoft.com/office/drawing/2014/main" id="{47F6A40A-D0D3-8B4C-A174-72EAD140E685}"/>
               </a:ext>
             </a:extLst>
           </p:cNvPr>
@@ -4322,8 +4326,8 @@
         </p:nvSpPr>
         <p:spPr>
           <a:xfrm>
-            <a:off x="3107769" y="4018862"/>
-            <a:ext cx="1072345" cy="369332"/>
+            <a:off x="709592" y="4011509"/>
+            <a:ext cx="1207050" cy="923330"/>
           </a:xfrm>
           <a:prstGeom prst="rect">
             <a:avLst/>
@@ -4337,51 +4341,34 @@
           <a:lstStyle/>
           <a:p>
             <a:r>
+              <a:rPr lang="en-GB" dirty="0">
+                <a:solidFill>
+                  <a:schemeClr val="bg1">
+                    <a:lumMod val="65000"/>
+                  </a:schemeClr>
+                </a:solidFill>
+              </a:rPr>
+              <a:t>U</a:t>
+            </a:r>
+            <a:r>
               <a:rPr lang="en-CH" dirty="0">
                 <a:solidFill>
-                  <a:srgbClr val="FF0000"/>
+                  <a:schemeClr val="bg1">
+                    <a:lumMod val="65000"/>
+                  </a:schemeClr>
                 </a:solidFill>
               </a:rPr>
-              <a:t>triggers</a:t>
-            </a:r>
-          </a:p>
-        </p:txBody>
-      </p:sp>
-      <p:sp>
-        <p:nvSpPr>
-          <p:cNvPr id="55" name="TextBox 54">
-            <a:extLst>
-              <a:ext uri="{FF2B5EF4-FFF2-40B4-BE49-F238E27FC236}">
-                <a16:creationId xmlns:a16="http://schemas.microsoft.com/office/drawing/2014/main" id="{47F6A40A-D0D3-8B4C-A174-72EAD140E685}"/>
-              </a:ext>
-            </a:extLst>
-          </p:cNvPr>
-          <p:cNvSpPr txBox="1"/>
-          <p:nvPr/>
-        </p:nvSpPr>
-        <p:spPr>
-          <a:xfrm>
-            <a:off x="8017177" y="3997979"/>
-            <a:ext cx="1072345" cy="369332"/>
-          </a:xfrm>
-          <a:prstGeom prst="rect">
-            <a:avLst/>
-          </a:prstGeom>
-          <a:noFill/>
-        </p:spPr>
-        <p:txBody>
-          <a:bodyPr wrap="square" rtlCol="0">
-            <a:spAutoFit/>
-          </a:bodyPr>
-          <a:lstStyle/>
-          <a:p>
-            <a:r>
-              <a:rPr lang="en-CH" dirty="0">
+              <a:t>pdate slider </a:t>
+            </a:r>
+            <a:r>
+              <a:rPr lang="en-CH" b="1" dirty="0">
                 <a:solidFill>
-                  <a:srgbClr val="FF0000"/>
+                  <a:schemeClr val="bg1">
+                    <a:lumMod val="65000"/>
+                  </a:schemeClr>
                 </a:solidFill>
               </a:rPr>
-              <a:t>triggers</a:t>
+              <a:t>value</a:t>
             </a:r>
           </a:p>
         </p:txBody>
@@ -4438,19 +4425,21 @@
         </p:nvCxnSpPr>
         <p:spPr>
           <a:xfrm rot="5400000" flipH="1" flipV="1">
-            <a:off x="8195024" y="2390687"/>
-            <a:ext cx="1965618" cy="1248966"/>
+            <a:off x="921115" y="2437893"/>
+            <a:ext cx="1965618" cy="1181614"/>
           </a:xfrm>
           <a:prstGeom prst="curvedConnector3">
             <a:avLst>
-              <a:gd name="adj1" fmla="val 105870"/>
+              <a:gd name="adj1" fmla="val 104138"/>
             </a:avLst>
           </a:prstGeom>
           <a:ln w="25400">
             <a:solidFill>
-              <a:srgbClr val="FF0000"/>
+              <a:schemeClr val="bg1">
+                <a:lumMod val="65000"/>
+              </a:schemeClr>
             </a:solidFill>
-            <a:prstDash val="dash"/>
+            <a:prstDash val="solid"/>
             <a:tailEnd type="triangle"/>
           </a:ln>
         </p:spPr>
@@ -4471,45 +4460,6 @@
       </p:cxnSp>
       <p:sp>
         <p:nvSpPr>
-          <p:cNvPr id="77" name="TextBox 76">
-            <a:extLst>
-              <a:ext uri="{FF2B5EF4-FFF2-40B4-BE49-F238E27FC236}">
-                <a16:creationId xmlns:a16="http://schemas.microsoft.com/office/drawing/2014/main" id="{F814C546-9B2B-3846-9DD9-0061E8E4682A}"/>
-              </a:ext>
-            </a:extLst>
-          </p:cNvPr>
-          <p:cNvSpPr txBox="1"/>
-          <p:nvPr/>
-        </p:nvSpPr>
-        <p:spPr>
-          <a:xfrm>
-            <a:off x="7452776" y="1480826"/>
-            <a:ext cx="1072345" cy="369332"/>
-          </a:xfrm>
-          <a:prstGeom prst="rect">
-            <a:avLst/>
-          </a:prstGeom>
-          <a:noFill/>
-        </p:spPr>
-        <p:txBody>
-          <a:bodyPr wrap="square" rtlCol="0">
-            <a:spAutoFit/>
-          </a:bodyPr>
-          <a:lstStyle/>
-          <a:p>
-            <a:r>
-              <a:rPr lang="en-CH" dirty="0">
-                <a:solidFill>
-                  <a:srgbClr val="FF0000"/>
-                </a:solidFill>
-              </a:rPr>
-              <a:t>triggers</a:t>
-            </a:r>
-          </a:p>
-        </p:txBody>
-      </p:sp>
-      <p:sp>
-        <p:nvSpPr>
           <p:cNvPr id="78" name="Rectangle 77">
             <a:extLst>
               <a:ext uri="{FF2B5EF4-FFF2-40B4-BE49-F238E27FC236}">
@@ -4522,7 +4472,7 @@
         </p:nvSpPr>
         <p:spPr>
           <a:xfrm>
-            <a:off x="1417947" y="1030493"/>
+            <a:off x="10584913" y="2816948"/>
             <a:ext cx="1152371" cy="941396"/>
           </a:xfrm>
           <a:prstGeom prst="rect">
@@ -4530,13 +4480,13 @@
           </a:prstGeom>
           <a:solidFill>
             <a:schemeClr val="bg1">
-              <a:lumMod val="65000"/>
+              <a:lumMod val="85000"/>
             </a:schemeClr>
           </a:solidFill>
           <a:ln w="63500">
             <a:solidFill>
               <a:schemeClr val="bg1">
-                <a:lumMod val="65000"/>
+                <a:lumMod val="85000"/>
               </a:schemeClr>
             </a:solidFill>
           </a:ln>
@@ -4580,7 +4530,7 @@
         </p:nvSpPr>
         <p:spPr>
           <a:xfrm>
-            <a:off x="1447091" y="671513"/>
+            <a:off x="10558132" y="2385266"/>
             <a:ext cx="1094082" cy="369332"/>
           </a:xfrm>
           <a:prstGeom prst="rect">
@@ -4595,13 +4545,7 @@
           <a:lstStyle/>
           <a:p>
             <a:r>
-              <a:rPr lang="en-CH" dirty="0">
-                <a:solidFill>
-                  <a:schemeClr val="bg1">
-                    <a:lumMod val="65000"/>
-                  </a:schemeClr>
-                </a:solidFill>
-              </a:rPr>
+              <a:rPr lang="en-CH" dirty="0"/>
               <a:t>Shiny app</a:t>
             </a:r>
           </a:p>
@@ -4618,23 +4562,26 @@
           </p:cNvPr>
           <p:cNvCxnSpPr>
             <a:cxnSpLocks/>
-            <a:stCxn id="106" idx="1"/>
           </p:cNvCxnSpPr>
           <p:nvPr/>
         </p:nvCxnSpPr>
         <p:spPr>
-          <a:xfrm rot="10800000" flipV="1">
-            <a:off x="6852318" y="1665493"/>
-            <a:ext cx="2440779" cy="2514232"/>
-          </a:xfrm>
-          <a:prstGeom prst="curvedConnector2">
-            <a:avLst/>
+          <a:xfrm>
+            <a:off x="2318110" y="1728612"/>
+            <a:ext cx="2785893" cy="2344539"/>
+          </a:xfrm>
+          <a:prstGeom prst="curvedConnector3">
+            <a:avLst>
+              <a:gd name="adj1" fmla="val 75743"/>
+            </a:avLst>
           </a:prstGeom>
           <a:ln w="25400">
             <a:solidFill>
-              <a:srgbClr val="FF0000"/>
+              <a:schemeClr val="bg1">
+                <a:lumMod val="65000"/>
+              </a:schemeClr>
             </a:solidFill>
-            <a:prstDash val="dash"/>
+            <a:prstDash val="solid"/>
             <a:tailEnd type="triangle"/>
           </a:ln>
         </p:spPr>
@@ -4667,7 +4614,7 @@
         </p:nvSpPr>
         <p:spPr>
           <a:xfrm>
-            <a:off x="9293096" y="1540877"/>
+            <a:off x="1985511" y="1554407"/>
             <a:ext cx="308434" cy="249232"/>
           </a:xfrm>
           <a:prstGeom prst="rect">
@@ -4721,7 +4668,7 @@
         </p:nvSpPr>
         <p:spPr>
           <a:xfrm>
-            <a:off x="8891869" y="1148069"/>
+            <a:off x="1584284" y="1161599"/>
             <a:ext cx="2005549" cy="338554"/>
           </a:xfrm>
           <a:prstGeom prst="rect">
@@ -4760,7 +4707,7 @@
         </p:nvCxnSpPr>
         <p:spPr>
           <a:xfrm>
-            <a:off x="9651100" y="2068100"/>
+            <a:off x="2343515" y="2081630"/>
             <a:ext cx="358318" cy="0"/>
           </a:xfrm>
           <a:prstGeom prst="line">
@@ -4801,7 +4748,7 @@
         </p:nvSpPr>
         <p:spPr>
           <a:xfrm>
-            <a:off x="9790741" y="2018271"/>
+            <a:off x="2483156" y="2031801"/>
             <a:ext cx="79036" cy="96211"/>
           </a:xfrm>
           <a:prstGeom prst="ellipse">
@@ -4855,7 +4802,7 @@
         </p:nvSpPr>
         <p:spPr>
           <a:xfrm>
-            <a:off x="9640151" y="2059382"/>
+            <a:off x="2332566" y="2072912"/>
             <a:ext cx="1662635" cy="338554"/>
           </a:xfrm>
           <a:prstGeom prst="rect">
@@ -4894,7 +4841,7 @@
         </p:nvSpPr>
         <p:spPr>
           <a:xfrm>
-            <a:off x="7684559" y="2346606"/>
+            <a:off x="3842826" y="1589351"/>
             <a:ext cx="456167" cy="369332"/>
           </a:xfrm>
           <a:prstGeom prst="rect">
@@ -4911,7 +4858,9 @@
             <a:r>
               <a:rPr lang="en-CH" b="1" dirty="0">
                 <a:solidFill>
-                  <a:srgbClr val="FF0000"/>
+                  <a:schemeClr val="bg1">
+                    <a:lumMod val="65000"/>
+                  </a:schemeClr>
                 </a:solidFill>
               </a:rPr>
               <a:t>(1)</a:t>
@@ -4933,7 +4882,7 @@
         </p:nvSpPr>
         <p:spPr>
           <a:xfrm>
-            <a:off x="4037760" y="3966715"/>
+            <a:off x="10075956" y="3969894"/>
             <a:ext cx="456167" cy="369332"/>
           </a:xfrm>
           <a:prstGeom prst="rect">
@@ -4950,7 +4899,9 @@
             <a:r>
               <a:rPr lang="en-CH" b="1" dirty="0">
                 <a:solidFill>
-                  <a:srgbClr val="FF0000"/>
+                  <a:schemeClr val="bg1">
+                    <a:lumMod val="65000"/>
+                  </a:schemeClr>
                 </a:solidFill>
               </a:rPr>
               <a:t>(2)</a:t>
@@ -4972,7 +4923,7 @@
         </p:nvSpPr>
         <p:spPr>
           <a:xfrm>
-            <a:off x="8703516" y="3144734"/>
+            <a:off x="1395931" y="3158264"/>
             <a:ext cx="456167" cy="369332"/>
           </a:xfrm>
           <a:prstGeom prst="rect">
@@ -4989,7 +4940,9 @@
             <a:r>
               <a:rPr lang="en-CH" b="1" dirty="0">
                 <a:solidFill>
-                  <a:srgbClr val="FF0000"/>
+                  <a:schemeClr val="bg1">
+                    <a:lumMod val="65000"/>
+                  </a:schemeClr>
                 </a:solidFill>
               </a:rPr>
               <a:t>(4)</a:t>
@@ -5011,7 +4964,7 @@
         </p:nvSpPr>
         <p:spPr>
           <a:xfrm>
-            <a:off x="2747961" y="4824839"/>
+            <a:off x="10080130" y="4879128"/>
             <a:ext cx="1553250" cy="1093144"/>
           </a:xfrm>
           <a:prstGeom prst="rect">
@@ -5063,7 +5016,7 @@
         </p:nvSpPr>
         <p:spPr>
           <a:xfrm>
-            <a:off x="2661151" y="4416823"/>
+            <a:off x="9993320" y="4471112"/>
             <a:ext cx="1686552" cy="369332"/>
           </a:xfrm>
           <a:prstGeom prst="rect">
@@ -5098,7 +5051,7 @@
         </p:nvSpPr>
         <p:spPr>
           <a:xfrm>
-            <a:off x="2747962" y="5191146"/>
+            <a:off x="10080131" y="5245435"/>
             <a:ext cx="1737980" cy="307777"/>
           </a:xfrm>
           <a:prstGeom prst="rect">
@@ -5131,24 +5084,28 @@
           </p:cNvPr>
           <p:cNvCxnSpPr>
             <a:cxnSpLocks/>
+            <a:stCxn id="129" idx="2"/>
           </p:cNvCxnSpPr>
           <p:nvPr/>
         </p:nvCxnSpPr>
         <p:spPr>
-          <a:xfrm flipV="1">
-            <a:off x="4306439" y="4754501"/>
-            <a:ext cx="840302" cy="581802"/>
-          </a:xfrm>
-          <a:prstGeom prst="curvedConnector3">
+          <a:xfrm rot="5400000" flipH="1">
+            <a:off x="8613310" y="3217401"/>
+            <a:ext cx="770144" cy="3901478"/>
+          </a:xfrm>
+          <a:prstGeom prst="curvedConnector4">
             <a:avLst>
-              <a:gd name="adj1" fmla="val 50000"/>
+              <a:gd name="adj1" fmla="val -113493"/>
+              <a:gd name="adj2" fmla="val 87331"/>
             </a:avLst>
           </a:prstGeom>
           <a:ln w="25400">
             <a:solidFill>
-              <a:srgbClr val="FF0000"/>
+              <a:schemeClr val="bg1">
+                <a:lumMod val="65000"/>
+              </a:schemeClr>
             </a:solidFill>
-            <a:prstDash val="dash"/>
+            <a:prstDash val="solid"/>
             <a:tailEnd type="triangle"/>
           </a:ln>
         </p:spPr>
@@ -5181,7 +5138,7 @@
         </p:nvSpPr>
         <p:spPr>
           <a:xfrm>
-            <a:off x="3270947" y="4893484"/>
+            <a:off x="10603116" y="4947773"/>
             <a:ext cx="456167" cy="369332"/>
           </a:xfrm>
           <a:prstGeom prst="rect">
@@ -5198,10 +5155,457 @@
             <a:r>
               <a:rPr lang="en-CH" b="1" dirty="0">
                 <a:solidFill>
-                  <a:srgbClr val="FF0000"/>
+                  <a:schemeClr val="bg1">
+                    <a:lumMod val="65000"/>
+                  </a:schemeClr>
                 </a:solidFill>
               </a:rPr>
               <a:t>(3)</a:t>
+            </a:r>
+          </a:p>
+        </p:txBody>
+      </p:sp>
+      <p:cxnSp>
+        <p:nvCxnSpPr>
+          <p:cNvPr id="52" name="Straight Arrow Connector 51">
+            <a:extLst>
+              <a:ext uri="{FF2B5EF4-FFF2-40B4-BE49-F238E27FC236}">
+                <a16:creationId xmlns:a16="http://schemas.microsoft.com/office/drawing/2014/main" id="{149D7328-A95F-3F4C-8539-C8F9D4F14AEE}"/>
+              </a:ext>
+            </a:extLst>
+          </p:cNvPr>
+          <p:cNvCxnSpPr>
+            <a:cxnSpLocks/>
+            <a:endCxn id="35" idx="3"/>
+          </p:cNvCxnSpPr>
+          <p:nvPr/>
+        </p:nvCxnSpPr>
+        <p:spPr>
+          <a:xfrm flipH="1">
+            <a:off x="4014432" y="4528546"/>
+            <a:ext cx="803728" cy="0"/>
+          </a:xfrm>
+          <a:prstGeom prst="straightConnector1">
+            <a:avLst/>
+          </a:prstGeom>
+          <a:ln w="38100">
+            <a:solidFill>
+              <a:schemeClr val="bg1">
+                <a:lumMod val="65000"/>
+              </a:schemeClr>
+            </a:solidFill>
+            <a:prstDash val="solid"/>
+            <a:tailEnd type="triangle"/>
+          </a:ln>
+        </p:spPr>
+        <p:style>
+          <a:lnRef idx="1">
+            <a:schemeClr val="accent1"/>
+          </a:lnRef>
+          <a:fillRef idx="0">
+            <a:schemeClr val="accent1"/>
+          </a:fillRef>
+          <a:effectRef idx="0">
+            <a:schemeClr val="accent1"/>
+          </a:effectRef>
+          <a:fontRef idx="minor">
+            <a:schemeClr val="tx1"/>
+          </a:fontRef>
+        </p:style>
+      </p:cxnSp>
+      <p:sp>
+        <p:nvSpPr>
+          <p:cNvPr id="56" name="TextBox 55">
+            <a:extLst>
+              <a:ext uri="{FF2B5EF4-FFF2-40B4-BE49-F238E27FC236}">
+                <a16:creationId xmlns:a16="http://schemas.microsoft.com/office/drawing/2014/main" id="{2F7D4928-9141-BC4F-9033-75696418264D}"/>
+              </a:ext>
+            </a:extLst>
+          </p:cNvPr>
+          <p:cNvSpPr txBox="1"/>
+          <p:nvPr/>
+        </p:nvSpPr>
+        <p:spPr>
+          <a:xfrm>
+            <a:off x="3695468" y="897381"/>
+            <a:ext cx="1207050" cy="646331"/>
+          </a:xfrm>
+          <a:prstGeom prst="rect">
+            <a:avLst/>
+          </a:prstGeom>
+          <a:noFill/>
+        </p:spPr>
+        <p:txBody>
+          <a:bodyPr wrap="square" rtlCol="0">
+            <a:spAutoFit/>
+          </a:bodyPr>
+          <a:lstStyle/>
+          <a:p>
+            <a:r>
+              <a:rPr lang="de-CH" dirty="0">
+                <a:solidFill>
+                  <a:schemeClr val="bg1">
+                    <a:lumMod val="65000"/>
+                  </a:schemeClr>
+                </a:solidFill>
+              </a:rPr>
+              <a:t>Press </a:t>
+            </a:r>
+            <a:r>
+              <a:rPr lang="de-CH" dirty="0" err="1">
+                <a:solidFill>
+                  <a:schemeClr val="bg1">
+                    <a:lumMod val="65000"/>
+                  </a:schemeClr>
+                </a:solidFill>
+              </a:rPr>
+              <a:t>button</a:t>
+            </a:r>
+            <a:endParaRPr lang="en-CH" dirty="0">
+              <a:solidFill>
+                <a:schemeClr val="bg1">
+                  <a:lumMod val="65000"/>
+                </a:schemeClr>
+              </a:solidFill>
+            </a:endParaRPr>
+          </a:p>
+        </p:txBody>
+      </p:sp>
+      <p:sp>
+        <p:nvSpPr>
+          <p:cNvPr id="65" name="TextBox 64">
+            <a:extLst>
+              <a:ext uri="{FF2B5EF4-FFF2-40B4-BE49-F238E27FC236}">
+                <a16:creationId xmlns:a16="http://schemas.microsoft.com/office/drawing/2014/main" id="{9521533D-2F56-EF45-86D1-7167DD50DE44}"/>
+              </a:ext>
+            </a:extLst>
+          </p:cNvPr>
+          <p:cNvSpPr txBox="1"/>
+          <p:nvPr/>
+        </p:nvSpPr>
+        <p:spPr>
+          <a:xfrm>
+            <a:off x="10190293" y="6264079"/>
+            <a:ext cx="1737979" cy="646331"/>
+          </a:xfrm>
+          <a:prstGeom prst="rect">
+            <a:avLst/>
+          </a:prstGeom>
+          <a:noFill/>
+        </p:spPr>
+        <p:txBody>
+          <a:bodyPr wrap="square" rtlCol="0">
+            <a:spAutoFit/>
+          </a:bodyPr>
+          <a:lstStyle/>
+          <a:p>
+            <a:r>
+              <a:rPr lang="de-CH" dirty="0">
+                <a:solidFill>
+                  <a:schemeClr val="bg1">
+                    <a:lumMod val="65000"/>
+                  </a:schemeClr>
+                </a:solidFill>
+              </a:rPr>
+              <a:t>Send </a:t>
+            </a:r>
+            <a:r>
+              <a:rPr lang="de-CH" dirty="0" err="1">
+                <a:solidFill>
+                  <a:schemeClr val="bg1">
+                    <a:lumMod val="65000"/>
+                  </a:schemeClr>
+                </a:solidFill>
+              </a:rPr>
+              <a:t>new</a:t>
+            </a:r>
+            <a:r>
+              <a:rPr lang="de-CH" dirty="0">
+                <a:solidFill>
+                  <a:schemeClr val="bg1">
+                    <a:lumMod val="65000"/>
+                  </a:schemeClr>
+                </a:solidFill>
+              </a:rPr>
+              <a:t> </a:t>
+            </a:r>
+            <a:r>
+              <a:rPr lang="de-CH" b="1" dirty="0" err="1">
+                <a:solidFill>
+                  <a:schemeClr val="bg1">
+                    <a:lumMod val="65000"/>
+                  </a:schemeClr>
+                </a:solidFill>
+              </a:rPr>
+              <a:t>value</a:t>
+            </a:r>
+            <a:r>
+              <a:rPr lang="de-CH" dirty="0">
+                <a:solidFill>
+                  <a:schemeClr val="bg1">
+                    <a:lumMod val="65000"/>
+                  </a:schemeClr>
+                </a:solidFill>
+              </a:rPr>
+              <a:t> </a:t>
+            </a:r>
+            <a:r>
+              <a:rPr lang="de-CH" dirty="0" err="1">
+                <a:solidFill>
+                  <a:schemeClr val="bg1">
+                    <a:lumMod val="65000"/>
+                  </a:schemeClr>
+                </a:solidFill>
+              </a:rPr>
+              <a:t>as</a:t>
+            </a:r>
+            <a:r>
+              <a:rPr lang="de-CH" dirty="0">
+                <a:solidFill>
+                  <a:schemeClr val="bg1">
+                    <a:lumMod val="65000"/>
+                  </a:schemeClr>
+                </a:solidFill>
+              </a:rPr>
+              <a:t> JSON</a:t>
+            </a:r>
+            <a:endParaRPr lang="en-CH" dirty="0">
+              <a:solidFill>
+                <a:schemeClr val="bg1">
+                  <a:lumMod val="65000"/>
+                </a:schemeClr>
+              </a:solidFill>
+            </a:endParaRPr>
+          </a:p>
+        </p:txBody>
+      </p:sp>
+      <p:sp>
+        <p:nvSpPr>
+          <p:cNvPr id="67" name="Rectangle 66">
+            <a:extLst>
+              <a:ext uri="{FF2B5EF4-FFF2-40B4-BE49-F238E27FC236}">
+                <a16:creationId xmlns:a16="http://schemas.microsoft.com/office/drawing/2014/main" id="{6A413A7C-B533-E946-9EF9-D99DDBAAA0F1}"/>
+              </a:ext>
+            </a:extLst>
+          </p:cNvPr>
+          <p:cNvSpPr/>
+          <p:nvPr/>
+        </p:nvSpPr>
+        <p:spPr>
+          <a:xfrm>
+            <a:off x="2224473" y="4123834"/>
+            <a:ext cx="1671117" cy="733354"/>
+          </a:xfrm>
+          <a:prstGeom prst="rect">
+            <a:avLst/>
+          </a:prstGeom>
+          <a:noFill/>
+          <a:ln w="63500">
+            <a:solidFill>
+              <a:schemeClr val="bg1">
+                <a:lumMod val="65000"/>
+              </a:schemeClr>
+            </a:solidFill>
+            <a:prstDash val="sysDash"/>
+          </a:ln>
+        </p:spPr>
+        <p:style>
+          <a:lnRef idx="2">
+            <a:schemeClr val="accent1">
+              <a:shade val="50000"/>
+            </a:schemeClr>
+          </a:lnRef>
+          <a:fillRef idx="1">
+            <a:schemeClr val="accent1"/>
+          </a:fillRef>
+          <a:effectRef idx="0">
+            <a:schemeClr val="accent1"/>
+          </a:effectRef>
+          <a:fontRef idx="minor">
+            <a:schemeClr val="lt1"/>
+          </a:fontRef>
+        </p:style>
+        <p:txBody>
+          <a:bodyPr rtlCol="0" anchor="ctr"/>
+          <a:lstStyle/>
+          <a:p>
+            <a:pPr algn="ctr"/>
+            <a:endParaRPr lang="en-CH" dirty="0"/>
+          </a:p>
+        </p:txBody>
+      </p:sp>
+      <p:sp>
+        <p:nvSpPr>
+          <p:cNvPr id="70" name="Rectangle 69">
+            <a:extLst>
+              <a:ext uri="{FF2B5EF4-FFF2-40B4-BE49-F238E27FC236}">
+                <a16:creationId xmlns:a16="http://schemas.microsoft.com/office/drawing/2014/main" id="{FAA71DE7-0A3E-6A40-BA90-2CE78B5B1C23}"/>
+              </a:ext>
+            </a:extLst>
+          </p:cNvPr>
+          <p:cNvSpPr/>
+          <p:nvPr/>
+        </p:nvSpPr>
+        <p:spPr>
+          <a:xfrm>
+            <a:off x="7828149" y="4050831"/>
+            <a:ext cx="1927530" cy="733354"/>
+          </a:xfrm>
+          <a:prstGeom prst="rect">
+            <a:avLst/>
+          </a:prstGeom>
+          <a:noFill/>
+          <a:ln w="63500">
+            <a:solidFill>
+              <a:schemeClr val="bg1">
+                <a:lumMod val="65000"/>
+              </a:schemeClr>
+            </a:solidFill>
+            <a:prstDash val="sysDash"/>
+          </a:ln>
+        </p:spPr>
+        <p:style>
+          <a:lnRef idx="2">
+            <a:schemeClr val="accent1">
+              <a:shade val="50000"/>
+            </a:schemeClr>
+          </a:lnRef>
+          <a:fillRef idx="1">
+            <a:schemeClr val="accent1"/>
+          </a:fillRef>
+          <a:effectRef idx="0">
+            <a:schemeClr val="accent1"/>
+          </a:effectRef>
+          <a:fontRef idx="minor">
+            <a:schemeClr val="lt1"/>
+          </a:fontRef>
+        </p:style>
+        <p:txBody>
+          <a:bodyPr rtlCol="0" anchor="ctr"/>
+          <a:lstStyle/>
+          <a:p>
+            <a:pPr algn="ctr"/>
+            <a:endParaRPr lang="en-CH" dirty="0"/>
+          </a:p>
+        </p:txBody>
+      </p:sp>
+      <p:cxnSp>
+        <p:nvCxnSpPr>
+          <p:cNvPr id="73" name="Straight Arrow Connector 72">
+            <a:extLst>
+              <a:ext uri="{FF2B5EF4-FFF2-40B4-BE49-F238E27FC236}">
+                <a16:creationId xmlns:a16="http://schemas.microsoft.com/office/drawing/2014/main" id="{06844651-6048-B14C-BDEE-01C0A26003BD}"/>
+              </a:ext>
+            </a:extLst>
+          </p:cNvPr>
+          <p:cNvCxnSpPr>
+            <a:cxnSpLocks/>
+          </p:cNvCxnSpPr>
+          <p:nvPr/>
+        </p:nvCxnSpPr>
+        <p:spPr>
+          <a:xfrm>
+            <a:off x="11141668" y="3817595"/>
+            <a:ext cx="0" cy="665392"/>
+          </a:xfrm>
+          <a:prstGeom prst="straightConnector1">
+            <a:avLst/>
+          </a:prstGeom>
+          <a:ln w="38100">
+            <a:solidFill>
+              <a:schemeClr val="bg1">
+                <a:lumMod val="65000"/>
+              </a:schemeClr>
+            </a:solidFill>
+            <a:prstDash val="solid"/>
+            <a:tailEnd type="triangle"/>
+          </a:ln>
+        </p:spPr>
+        <p:style>
+          <a:lnRef idx="1">
+            <a:schemeClr val="accent1"/>
+          </a:lnRef>
+          <a:fillRef idx="0">
+            <a:schemeClr val="accent1"/>
+          </a:fillRef>
+          <a:effectRef idx="0">
+            <a:schemeClr val="accent1"/>
+          </a:effectRef>
+          <a:fontRef idx="minor">
+            <a:schemeClr val="tx1"/>
+          </a:fontRef>
+        </p:style>
+      </p:cxnSp>
+      <p:sp>
+        <p:nvSpPr>
+          <p:cNvPr id="49" name="TextBox 48">
+            <a:extLst>
+              <a:ext uri="{FF2B5EF4-FFF2-40B4-BE49-F238E27FC236}">
+                <a16:creationId xmlns:a16="http://schemas.microsoft.com/office/drawing/2014/main" id="{18AFBDF0-DC15-6143-8D84-4B914233A020}"/>
+              </a:ext>
+            </a:extLst>
+          </p:cNvPr>
+          <p:cNvSpPr txBox="1"/>
+          <p:nvPr/>
+        </p:nvSpPr>
+        <p:spPr>
+          <a:xfrm>
+            <a:off x="11141668" y="3888485"/>
+            <a:ext cx="929165" cy="369332"/>
+          </a:xfrm>
+          <a:prstGeom prst="rect">
+            <a:avLst/>
+          </a:prstGeom>
+          <a:noFill/>
+        </p:spPr>
+        <p:txBody>
+          <a:bodyPr wrap="none" rtlCol="0">
+            <a:spAutoFit/>
+          </a:bodyPr>
+          <a:lstStyle/>
+          <a:p>
+            <a:r>
+              <a:rPr lang="en-GB" dirty="0"/>
+              <a:t>s</a:t>
+            </a:r>
+            <a:r>
+              <a:rPr lang="en-CH" dirty="0"/>
+              <a:t>erver.R</a:t>
+            </a:r>
+          </a:p>
+        </p:txBody>
+      </p:sp>
+      <p:sp>
+        <p:nvSpPr>
+          <p:cNvPr id="80" name="TextBox 79">
+            <a:extLst>
+              <a:ext uri="{FF2B5EF4-FFF2-40B4-BE49-F238E27FC236}">
+                <a16:creationId xmlns:a16="http://schemas.microsoft.com/office/drawing/2014/main" id="{25CA4DE7-68CE-9A48-AF99-477BE9C87292}"/>
+              </a:ext>
+            </a:extLst>
+          </p:cNvPr>
+          <p:cNvSpPr txBox="1"/>
+          <p:nvPr/>
+        </p:nvSpPr>
+        <p:spPr>
+          <a:xfrm>
+            <a:off x="1870569" y="848043"/>
+            <a:ext cx="994183" cy="369332"/>
+          </a:xfrm>
+          <a:prstGeom prst="rect">
+            <a:avLst/>
+          </a:prstGeom>
+          <a:noFill/>
+        </p:spPr>
+        <p:txBody>
+          <a:bodyPr wrap="none" rtlCol="0">
+            <a:spAutoFit/>
+          </a:bodyPr>
+          <a:lstStyle/>
+          <a:p>
+            <a:r>
+              <a:rPr lang="en-CH" dirty="0"/>
+              <a:t>HTML UI</a:t>
             </a:r>
           </a:p>
         </p:txBody>
